--- a/pitch/Q-ENEM - Pitch.pptx
+++ b/pitch/Q-ENEM - Pitch.pptx
@@ -10081,7 +10081,7 @@
       </p:grpSpPr>
       <p:pic>
         <p:nvPicPr>
-          <p:cNvPr id="278" name="" descr=""/>
+          <p:cNvPr id="279" name="" descr=""/>
           <p:cNvPicPr/>
           <p:nvPr/>
         </p:nvPicPr>
@@ -10134,7 +10134,7 @@
       </p:grpSpPr>
       <p:pic>
         <p:nvPicPr>
-          <p:cNvPr id="279" name="" descr=""/>
+          <p:cNvPr id="280" name="" descr=""/>
           <p:cNvPicPr/>
           <p:nvPr/>
         </p:nvPicPr>
@@ -10187,7 +10187,7 @@
       </p:grpSpPr>
       <p:pic>
         <p:nvPicPr>
-          <p:cNvPr id="280" name="" descr=""/>
+          <p:cNvPr id="281" name="" descr=""/>
           <p:cNvPicPr/>
           <p:nvPr/>
         </p:nvPicPr>
@@ -10240,7 +10240,7 @@
       </p:grpSpPr>
       <p:pic>
         <p:nvPicPr>
-          <p:cNvPr id="281" name="" descr=""/>
+          <p:cNvPr id="282" name="" descr=""/>
           <p:cNvPicPr/>
           <p:nvPr/>
         </p:nvPicPr>
@@ -10293,7 +10293,7 @@
       </p:grpSpPr>
       <p:pic>
         <p:nvPicPr>
-          <p:cNvPr id="282" name="" descr=""/>
+          <p:cNvPr id="283" name="" descr=""/>
           <p:cNvPicPr/>
           <p:nvPr/>
         </p:nvPicPr>
@@ -10346,7 +10346,7 @@
       </p:grpSpPr>
       <p:pic>
         <p:nvPicPr>
-          <p:cNvPr id="283" name="" descr=""/>
+          <p:cNvPr id="284" name="" descr=""/>
           <p:cNvPicPr/>
           <p:nvPr/>
         </p:nvPicPr>
@@ -10399,7 +10399,7 @@
       </p:grpSpPr>
       <p:pic>
         <p:nvPicPr>
-          <p:cNvPr id="284" name="" descr=""/>
+          <p:cNvPr id="285" name="" descr=""/>
           <p:cNvPicPr/>
           <p:nvPr/>
         </p:nvPicPr>
@@ -10452,7 +10452,7 @@
       </p:grpSpPr>
       <p:sp>
         <p:nvSpPr>
-          <p:cNvPr id="285" name="CustomShape 1"/>
+          <p:cNvPr id="286" name="CustomShape 1"/>
           <p:cNvSpPr/>
           <p:nvPr/>
         </p:nvSpPr>
@@ -10533,7 +10533,7 @@
       </p:grpSpPr>
       <p:sp>
         <p:nvSpPr>
-          <p:cNvPr id="286" name="CustomShape 1"/>
+          <p:cNvPr id="287" name="CustomShape 1"/>
           <p:cNvSpPr/>
           <p:nvPr/>
         </p:nvSpPr>
@@ -10584,7 +10584,7 @@
       </p:sp>
       <p:sp>
         <p:nvSpPr>
-          <p:cNvPr id="287" name="CustomShape 2"/>
+          <p:cNvPr id="288" name="CustomShape 2"/>
           <p:cNvSpPr/>
           <p:nvPr/>
         </p:nvSpPr>
@@ -11511,6 +11511,29 @@
           </a:ln>
         </p:spPr>
       </p:pic>
+      <p:pic>
+        <p:nvPicPr>
+          <p:cNvPr id="274" name="" descr=""/>
+          <p:cNvPicPr/>
+          <p:nvPr/>
+        </p:nvPicPr>
+        <p:blipFill>
+          <a:blip r:embed="rId4"/>
+          <a:stretch/>
+        </p:blipFill>
+        <p:spPr>
+          <a:xfrm>
+            <a:off x="6912000" y="7413840"/>
+            <a:ext cx="10169280" cy="5834160"/>
+          </a:xfrm>
+          <a:prstGeom prst="rect">
+            <a:avLst/>
+          </a:prstGeom>
+          <a:ln>
+            <a:noFill/>
+          </a:ln>
+        </p:spPr>
+      </p:pic>
     </p:spTree>
   </p:cSld>
   <mc:AlternateContent>
@@ -11543,7 +11566,7 @@
       </p:grpSpPr>
       <p:sp>
         <p:nvSpPr>
-          <p:cNvPr id="274" name="CustomShape 1"/>
+          <p:cNvPr id="275" name="CustomShape 1"/>
           <p:cNvSpPr/>
           <p:nvPr/>
         </p:nvSpPr>
@@ -11624,7 +11647,7 @@
       </p:grpSpPr>
       <p:pic>
         <p:nvPicPr>
-          <p:cNvPr id="275" name="" descr=""/>
+          <p:cNvPr id="276" name="" descr=""/>
           <p:cNvPicPr/>
           <p:nvPr/>
         </p:nvPicPr>
@@ -11677,7 +11700,7 @@
       </p:grpSpPr>
       <p:pic>
         <p:nvPicPr>
-          <p:cNvPr id="276" name="" descr=""/>
+          <p:cNvPr id="277" name="" descr=""/>
           <p:cNvPicPr/>
           <p:nvPr/>
         </p:nvPicPr>
@@ -11730,7 +11753,7 @@
       </p:grpSpPr>
       <p:pic>
         <p:nvPicPr>
-          <p:cNvPr id="277" name="" descr=""/>
+          <p:cNvPr id="278" name="" descr=""/>
           <p:cNvPicPr/>
           <p:nvPr/>
         </p:nvPicPr>
